--- a/PCS24-8/Presentation pentackles major project.pptx
+++ b/PCS24-8/Presentation pentackles major project.pptx
@@ -5,7 +5,7 @@
     <p:sldMasterId id="2147483648" r:id="rId1"/>
   </p:sldMasterIdLst>
   <p:notesMasterIdLst>
-    <p:notesMasterId r:id="rId27"/>
+    <p:notesMasterId r:id="rId31"/>
   </p:notesMasterIdLst>
   <p:sldIdLst>
     <p:sldId id="256" r:id="rId2"/>
@@ -24,15 +24,19 @@
     <p:sldId id="260" r:id="rId15"/>
     <p:sldId id="281" r:id="rId16"/>
     <p:sldId id="266" r:id="rId17"/>
-    <p:sldId id="269" r:id="rId18"/>
-    <p:sldId id="289" r:id="rId19"/>
-    <p:sldId id="270" r:id="rId20"/>
-    <p:sldId id="286" r:id="rId21"/>
-    <p:sldId id="288" r:id="rId22"/>
-    <p:sldId id="287" r:id="rId23"/>
-    <p:sldId id="285" r:id="rId24"/>
-    <p:sldId id="280" r:id="rId25"/>
-    <p:sldId id="265" r:id="rId26"/>
+    <p:sldId id="289" r:id="rId18"/>
+    <p:sldId id="269" r:id="rId19"/>
+    <p:sldId id="291" r:id="rId20"/>
+    <p:sldId id="292" r:id="rId21"/>
+    <p:sldId id="293" r:id="rId22"/>
+    <p:sldId id="270" r:id="rId23"/>
+    <p:sldId id="286" r:id="rId24"/>
+    <p:sldId id="288" r:id="rId25"/>
+    <p:sldId id="287" r:id="rId26"/>
+    <p:sldId id="285" r:id="rId27"/>
+    <p:sldId id="280" r:id="rId28"/>
+    <p:sldId id="290" r:id="rId29"/>
+    <p:sldId id="265" r:id="rId30"/>
   </p:sldIdLst>
   <p:sldSz cx="12192000" cy="6858000"/>
   <p:notesSz cx="6858000" cy="9144000"/>
@@ -275,7 +279,7 @@
           <a:p>
             <a:fld id="{E13B6DE8-89EB-4910-BE6E-A1D1FF0DA414}" type="datetimeFigureOut">
               <a:rPr lang="en-IN" smtClean="0"/>
-              <a:t>24-11-2023</a:t>
+              <a:t>10-03-2024</a:t>
             </a:fld>
             <a:endParaRPr lang="en-IN"/>
           </a:p>
@@ -692,7 +696,7 @@
           <a:p>
             <a:fld id="{AED75D64-2596-4CD3-88B1-63A1A557245C}" type="datetimeFigureOut">
               <a:rPr lang="en-IN" smtClean="0"/>
-              <a:t>24-11-2023</a:t>
+              <a:t>10-03-2024</a:t>
             </a:fld>
             <a:endParaRPr lang="en-IN"/>
           </a:p>
@@ -892,7 +896,7 @@
           <a:p>
             <a:fld id="{AED75D64-2596-4CD3-88B1-63A1A557245C}" type="datetimeFigureOut">
               <a:rPr lang="en-IN" smtClean="0"/>
-              <a:t>24-11-2023</a:t>
+              <a:t>10-03-2024</a:t>
             </a:fld>
             <a:endParaRPr lang="en-IN"/>
           </a:p>
@@ -1102,7 +1106,7 @@
           <a:p>
             <a:fld id="{AED75D64-2596-4CD3-88B1-63A1A557245C}" type="datetimeFigureOut">
               <a:rPr lang="en-IN" smtClean="0"/>
-              <a:t>24-11-2023</a:t>
+              <a:t>10-03-2024</a:t>
             </a:fld>
             <a:endParaRPr lang="en-IN"/>
           </a:p>
@@ -1302,7 +1306,7 @@
           <a:p>
             <a:fld id="{AED75D64-2596-4CD3-88B1-63A1A557245C}" type="datetimeFigureOut">
               <a:rPr lang="en-IN" smtClean="0"/>
-              <a:t>24-11-2023</a:t>
+              <a:t>10-03-2024</a:t>
             </a:fld>
             <a:endParaRPr lang="en-IN"/>
           </a:p>
@@ -1578,7 +1582,7 @@
           <a:p>
             <a:fld id="{AED75D64-2596-4CD3-88B1-63A1A557245C}" type="datetimeFigureOut">
               <a:rPr lang="en-IN" smtClean="0"/>
-              <a:t>24-11-2023</a:t>
+              <a:t>10-03-2024</a:t>
             </a:fld>
             <a:endParaRPr lang="en-IN"/>
           </a:p>
@@ -1846,7 +1850,7 @@
           <a:p>
             <a:fld id="{AED75D64-2596-4CD3-88B1-63A1A557245C}" type="datetimeFigureOut">
               <a:rPr lang="en-IN" smtClean="0"/>
-              <a:t>24-11-2023</a:t>
+              <a:t>10-03-2024</a:t>
             </a:fld>
             <a:endParaRPr lang="en-IN"/>
           </a:p>
@@ -2261,7 +2265,7 @@
           <a:p>
             <a:fld id="{AED75D64-2596-4CD3-88B1-63A1A557245C}" type="datetimeFigureOut">
               <a:rPr lang="en-IN" smtClean="0"/>
-              <a:t>24-11-2023</a:t>
+              <a:t>10-03-2024</a:t>
             </a:fld>
             <a:endParaRPr lang="en-IN"/>
           </a:p>
@@ -2403,7 +2407,7 @@
           <a:p>
             <a:fld id="{AED75D64-2596-4CD3-88B1-63A1A557245C}" type="datetimeFigureOut">
               <a:rPr lang="en-IN" smtClean="0"/>
-              <a:t>24-11-2023</a:t>
+              <a:t>10-03-2024</a:t>
             </a:fld>
             <a:endParaRPr lang="en-IN"/>
           </a:p>
@@ -2516,7 +2520,7 @@
           <a:p>
             <a:fld id="{AED75D64-2596-4CD3-88B1-63A1A557245C}" type="datetimeFigureOut">
               <a:rPr lang="en-IN" smtClean="0"/>
-              <a:t>24-11-2023</a:t>
+              <a:t>10-03-2024</a:t>
             </a:fld>
             <a:endParaRPr lang="en-IN"/>
           </a:p>
@@ -2829,7 +2833,7 @@
           <a:p>
             <a:fld id="{AED75D64-2596-4CD3-88B1-63A1A557245C}" type="datetimeFigureOut">
               <a:rPr lang="en-IN" smtClean="0"/>
-              <a:t>24-11-2023</a:t>
+              <a:t>10-03-2024</a:t>
             </a:fld>
             <a:endParaRPr lang="en-IN"/>
           </a:p>
@@ -3118,7 +3122,7 @@
           <a:p>
             <a:fld id="{AED75D64-2596-4CD3-88B1-63A1A557245C}" type="datetimeFigureOut">
               <a:rPr lang="en-IN" smtClean="0"/>
-              <a:t>24-11-2023</a:t>
+              <a:t>10-03-2024</a:t>
             </a:fld>
             <a:endParaRPr lang="en-IN"/>
           </a:p>
@@ -3361,7 +3365,7 @@
           <a:p>
             <a:fld id="{AED75D64-2596-4CD3-88B1-63A1A557245C}" type="datetimeFigureOut">
               <a:rPr lang="en-IN" smtClean="0"/>
-              <a:t>24-11-2023</a:t>
+              <a:t>10-03-2024</a:t>
             </a:fld>
             <a:endParaRPr lang="en-IN"/>
           </a:p>
@@ -3849,11 +3853,11 @@
           <a:p>
             <a:r>
               <a:rPr lang="en-IN" sz="3800" dirty="0"/>
-              <a:t>                              </a:t>
+              <a:t>                                    </a:t>
             </a:r>
             <a:r>
               <a:rPr lang="en-IN" sz="2300" dirty="0"/>
-              <a:t>Guide Name: Mr. Harsh Vardhan </a:t>
+              <a:t>Guide Name: Mr. Vivek Kumar Sharma</a:t>
             </a:r>
           </a:p>
           <a:p>
@@ -4365,7 +4369,7 @@
             </a:br>
             <a:r>
               <a:rPr lang="en-IN" sz="3600" dirty="0"/>
-              <a:t>Project Presentation (KCS 753)</a:t>
+              <a:t>Project Presentation (KCS 851)</a:t>
             </a:r>
           </a:p>
           <a:p>
@@ -5859,7 +5863,7 @@
           <p:cNvPr id="2" name="Title 1">
             <a:extLst>
               <a:ext uri="{FF2B5EF4-FFF2-40B4-BE49-F238E27FC236}">
-                <a16:creationId xmlns:a16="http://schemas.microsoft.com/office/drawing/2014/main" id="{FD41FB27-25DA-3D03-63C0-E2B325A08892}"/>
+                <a16:creationId xmlns:a16="http://schemas.microsoft.com/office/drawing/2014/main" id="{3B221B99-1EC7-77DA-30B9-EC5AF20AE4AE}"/>
               </a:ext>
             </a:extLst>
           </p:cNvPr>
@@ -5870,28 +5874,22 @@
             <p:ph type="title"/>
           </p:nvPr>
         </p:nvSpPr>
-        <p:spPr/>
-        <p:txBody>
-          <a:bodyPr/>
-          <a:lstStyle/>
-          <a:p>
-            <a:r>
-              <a:rPr lang="en-US" sz="2800" dirty="0">
-                <a:latin typeface="+mn-lt"/>
-                <a:ea typeface="Times New Roman" panose="02020603050405020304" pitchFamily="18" charset="0"/>
-                <a:cs typeface="Times New Roman" panose="02020603050405020304" pitchFamily="18" charset="0"/>
-              </a:rPr>
-              <a:t>DFD level 2</a:t>
-            </a:r>
-            <a:br>
-              <a:rPr lang="en-IN" sz="1800" dirty="0">
-                <a:effectLst/>
-                <a:latin typeface="Times" panose="02020603050405020304" pitchFamily="18" charset="0"/>
-                <a:ea typeface="Times New Roman" panose="02020603050405020304" pitchFamily="18" charset="0"/>
-                <a:cs typeface="Times New Roman" panose="02020603050405020304" pitchFamily="18" charset="0"/>
-              </a:rPr>
-            </a:br>
-            <a:endParaRPr lang="en-IN" dirty="0"/>
+        <p:spPr>
+          <a:xfrm>
+            <a:off x="838200" y="365126"/>
+            <a:ext cx="10515600" cy="1267732"/>
+          </a:xfrm>
+        </p:spPr>
+        <p:txBody>
+          <a:bodyPr>
+            <a:normAutofit/>
+          </a:bodyPr>
+          <a:lstStyle/>
+          <a:p>
+            <a:r>
+              <a:rPr lang="en-IN" sz="3200" b="1" dirty="0"/>
+              <a:t>Login</a:t>
+            </a:r>
           </a:p>
         </p:txBody>
       </p:sp>
@@ -5900,7 +5898,7 @@
           <p:cNvPr id="4" name="Picture 3">
             <a:extLst>
               <a:ext uri="{FF2B5EF4-FFF2-40B4-BE49-F238E27FC236}">
-                <a16:creationId xmlns:a16="http://schemas.microsoft.com/office/drawing/2014/main" id="{C76CE624-F998-D8F1-1EC2-A0709335FEBD}"/>
+                <a16:creationId xmlns:a16="http://schemas.microsoft.com/office/drawing/2014/main" id="{AE85F9C4-4678-31E8-CC81-0F303065C83B}"/>
               </a:ext>
             </a:extLst>
           </p:cNvPr>
@@ -5917,8 +5915,8 @@
         </p:blipFill>
         <p:spPr>
           <a:xfrm>
-            <a:off x="967295" y="1569558"/>
-            <a:ext cx="10257409" cy="4588645"/>
+            <a:off x="1521675" y="1282984"/>
+            <a:ext cx="9148650" cy="4528757"/>
           </a:xfrm>
           <a:prstGeom prst="rect">
             <a:avLst/>
@@ -5928,7 +5926,7 @@
     </p:spTree>
     <p:extLst>
       <p:ext uri="{BB962C8B-B14F-4D97-AF65-F5344CB8AC3E}">
-        <p14:creationId xmlns:p14="http://schemas.microsoft.com/office/powerpoint/2010/main" val="2461392298"/>
+        <p14:creationId xmlns:p14="http://schemas.microsoft.com/office/powerpoint/2010/main" val="3531793202"/>
       </p:ext>
     </p:extLst>
   </p:cSld>
@@ -5960,7 +5958,7 @@
           <p:cNvPr id="2" name="Title 1">
             <a:extLst>
               <a:ext uri="{FF2B5EF4-FFF2-40B4-BE49-F238E27FC236}">
-                <a16:creationId xmlns:a16="http://schemas.microsoft.com/office/drawing/2014/main" id="{3B221B99-1EC7-77DA-30B9-EC5AF20AE4AE}"/>
+                <a16:creationId xmlns:a16="http://schemas.microsoft.com/office/drawing/2014/main" id="{FD41FB27-25DA-3D03-63C0-E2B325A08892}"/>
               </a:ext>
             </a:extLst>
           </p:cNvPr>
@@ -5971,19 +5969,57 @@
             <p:ph type="title"/>
           </p:nvPr>
         </p:nvSpPr>
-        <p:spPr/>
-        <p:txBody>
-          <a:bodyPr/>
-          <a:lstStyle/>
-          <a:p>
-            <a:r>
-              <a:rPr lang="en-IN" dirty="0">
-                <a:solidFill>
-                  <a:schemeClr val="bg1"/>
-                </a:solidFill>
+        <p:spPr>
+          <a:xfrm>
+            <a:off x="838200" y="365125"/>
+            <a:ext cx="10515600" cy="2107487"/>
+          </a:xfrm>
+        </p:spPr>
+        <p:txBody>
+          <a:bodyPr>
+            <a:normAutofit/>
+          </a:bodyPr>
+          <a:lstStyle/>
+          <a:p>
+            <a:r>
+              <a:rPr lang="en-US" sz="2800" dirty="0">
+                <a:latin typeface="+mn-lt"/>
+                <a:ea typeface="Times New Roman" panose="02020603050405020304" pitchFamily="18" charset="0"/>
+                <a:cs typeface="Times New Roman" panose="02020603050405020304" pitchFamily="18" charset="0"/>
               </a:rPr>
-              <a:t>.</a:t>
-            </a:r>
+              <a:t>DFD level 2</a:t>
+            </a:r>
+            <a:br>
+              <a:rPr lang="en-US" sz="2800" dirty="0">
+                <a:latin typeface="+mn-lt"/>
+                <a:ea typeface="Times New Roman" panose="02020603050405020304" pitchFamily="18" charset="0"/>
+                <a:cs typeface="Times New Roman" panose="02020603050405020304" pitchFamily="18" charset="0"/>
+              </a:rPr>
+            </a:br>
+            <a:br>
+              <a:rPr lang="en-US" sz="2800" dirty="0">
+                <a:latin typeface="Calibri Light" panose="020F0302020204030204" pitchFamily="34" charset="0"/>
+                <a:ea typeface="Calibri Light" panose="020F0302020204030204" pitchFamily="34" charset="0"/>
+                <a:cs typeface="Calibri Light" panose="020F0302020204030204" pitchFamily="34" charset="0"/>
+              </a:rPr>
+            </a:br>
+            <a:r>
+              <a:rPr lang="en-US" sz="3200" b="1" dirty="0">
+                <a:latin typeface="Calibri Light" panose="020F0302020204030204" pitchFamily="34" charset="0"/>
+                <a:ea typeface="Calibri Light" panose="020F0302020204030204" pitchFamily="34" charset="0"/>
+                <a:cs typeface="Calibri Light" panose="020F0302020204030204" pitchFamily="34" charset="0"/>
+              </a:rPr>
+              <a:t>User Account Management</a:t>
+            </a:r>
+            <a:br>
+              <a:rPr lang="en-IN" sz="3200" b="1" dirty="0">
+                <a:effectLst/>
+                <a:latin typeface="Times" panose="02020603050405020304" pitchFamily="18" charset="0"/>
+                <a:ea typeface="Times New Roman" panose="02020603050405020304" pitchFamily="18" charset="0"/>
+                <a:cs typeface="Times New Roman" panose="02020603050405020304" pitchFamily="18" charset="0"/>
+              </a:rPr>
+            </a:br>
+            <a:endParaRPr lang="en-IN" sz="3200" b="1" dirty="0"/>
           </a:p>
         </p:txBody>
       </p:sp>
@@ -5992,7 +6028,7 @@
           <p:cNvPr id="4" name="Picture 3">
             <a:extLst>
               <a:ext uri="{FF2B5EF4-FFF2-40B4-BE49-F238E27FC236}">
-                <a16:creationId xmlns:a16="http://schemas.microsoft.com/office/drawing/2014/main" id="{AE85F9C4-4678-31E8-CC81-0F303065C83B}"/>
+                <a16:creationId xmlns:a16="http://schemas.microsoft.com/office/drawing/2014/main" id="{C76CE624-F998-D8F1-1EC2-A0709335FEBD}"/>
               </a:ext>
             </a:extLst>
           </p:cNvPr>
@@ -6009,8 +6045,8 @@
         </p:blipFill>
         <p:spPr>
           <a:xfrm>
-            <a:off x="1441595" y="858416"/>
-            <a:ext cx="9148650" cy="4528757"/>
+            <a:off x="1200560" y="1904230"/>
+            <a:ext cx="10257409" cy="4588645"/>
           </a:xfrm>
           <a:prstGeom prst="rect">
             <a:avLst/>
@@ -6020,7 +6056,7 @@
     </p:spTree>
     <p:extLst>
       <p:ext uri="{BB962C8B-B14F-4D97-AF65-F5344CB8AC3E}">
-        <p14:creationId xmlns:p14="http://schemas.microsoft.com/office/powerpoint/2010/main" val="3531793202"/>
+        <p14:creationId xmlns:p14="http://schemas.microsoft.com/office/powerpoint/2010/main" val="2461392298"/>
       </p:ext>
     </p:extLst>
   </p:cSld>
@@ -6031,6 +6067,370 @@
 </file>
 
 <file path=ppt/slides/slide19.xml><?xml version="1.0" encoding="utf-8"?>
+<p:sld xmlns:a="http://schemas.openxmlformats.org/drawingml/2006/main" xmlns:r="http://schemas.openxmlformats.org/officeDocument/2006/relationships" xmlns:p="http://schemas.openxmlformats.org/presentationml/2006/main">
+  <p:cSld>
+    <p:spTree>
+      <p:nvGrpSpPr>
+        <p:cNvPr id="1" name=""/>
+        <p:cNvGrpSpPr/>
+        <p:nvPr/>
+      </p:nvGrpSpPr>
+      <p:grpSpPr>
+        <a:xfrm>
+          <a:off x="0" y="0"/>
+          <a:ext cx="0" cy="0"/>
+          <a:chOff x="0" y="0"/>
+          <a:chExt cx="0" cy="0"/>
+        </a:xfrm>
+      </p:grpSpPr>
+      <p:sp>
+        <p:nvSpPr>
+          <p:cNvPr id="2" name="Title 1">
+            <a:extLst>
+              <a:ext uri="{FF2B5EF4-FFF2-40B4-BE49-F238E27FC236}">
+                <a16:creationId xmlns:a16="http://schemas.microsoft.com/office/drawing/2014/main" id="{8F666984-E93E-D696-F7A5-8E45BF2FC731}"/>
+              </a:ext>
+            </a:extLst>
+          </p:cNvPr>
+          <p:cNvSpPr>
+            <a:spLocks noGrp="1"/>
+          </p:cNvSpPr>
+          <p:nvPr>
+            <p:ph type="title"/>
+          </p:nvPr>
+        </p:nvSpPr>
+        <p:spPr/>
+        <p:txBody>
+          <a:bodyPr>
+            <a:normAutofit/>
+          </a:bodyPr>
+          <a:lstStyle/>
+          <a:p>
+            <a:r>
+              <a:rPr lang="en-IN" sz="3200" b="1" dirty="0"/>
+              <a:t>Chatbot module management</a:t>
+            </a:r>
+          </a:p>
+        </p:txBody>
+      </p:sp>
+      <p:pic>
+        <p:nvPicPr>
+          <p:cNvPr id="4" name="Picture 3">
+            <a:extLst>
+              <a:ext uri="{FF2B5EF4-FFF2-40B4-BE49-F238E27FC236}">
+                <a16:creationId xmlns:a16="http://schemas.microsoft.com/office/drawing/2014/main" id="{A59A0D9E-2E87-8B0E-D773-98F19AF0FD2D}"/>
+              </a:ext>
+            </a:extLst>
+          </p:cNvPr>
+          <p:cNvPicPr>
+            <a:picLocks noChangeAspect="1"/>
+          </p:cNvPicPr>
+          <p:nvPr/>
+        </p:nvPicPr>
+        <p:blipFill>
+          <a:blip r:embed="rId2"/>
+          <a:stretch>
+            <a:fillRect/>
+          </a:stretch>
+        </p:blipFill>
+        <p:spPr>
+          <a:xfrm>
+            <a:off x="1428345" y="2022988"/>
+            <a:ext cx="9335309" cy="2812024"/>
+          </a:xfrm>
+          <a:prstGeom prst="rect">
+            <a:avLst/>
+          </a:prstGeom>
+        </p:spPr>
+      </p:pic>
+    </p:spTree>
+    <p:extLst>
+      <p:ext uri="{BB962C8B-B14F-4D97-AF65-F5344CB8AC3E}">
+        <p14:creationId xmlns:p14="http://schemas.microsoft.com/office/powerpoint/2010/main" val="3061989677"/>
+      </p:ext>
+    </p:extLst>
+  </p:cSld>
+  <p:clrMapOvr>
+    <a:masterClrMapping/>
+  </p:clrMapOvr>
+</p:sld>
+</file>
+
+<file path=ppt/slides/slide2.xml><?xml version="1.0" encoding="utf-8"?>
+<p:sld xmlns:a="http://schemas.openxmlformats.org/drawingml/2006/main" xmlns:r="http://schemas.openxmlformats.org/officeDocument/2006/relationships" xmlns:p="http://schemas.openxmlformats.org/presentationml/2006/main">
+  <p:cSld>
+    <p:spTree>
+      <p:nvGrpSpPr>
+        <p:cNvPr id="1" name=""/>
+        <p:cNvGrpSpPr/>
+        <p:nvPr/>
+      </p:nvGrpSpPr>
+      <p:grpSpPr>
+        <a:xfrm>
+          <a:off x="0" y="0"/>
+          <a:ext cx="0" cy="0"/>
+          <a:chOff x="0" y="0"/>
+          <a:chExt cx="0" cy="0"/>
+        </a:xfrm>
+      </p:grpSpPr>
+      <p:sp>
+        <p:nvSpPr>
+          <p:cNvPr id="2" name="Title 1">
+            <a:extLst>
+              <a:ext uri="{FF2B5EF4-FFF2-40B4-BE49-F238E27FC236}">
+                <a16:creationId xmlns:a16="http://schemas.microsoft.com/office/drawing/2014/main" id="{F9FDDEC6-EFF5-7794-A8B1-E128B433790E}"/>
+              </a:ext>
+            </a:extLst>
+          </p:cNvPr>
+          <p:cNvSpPr>
+            <a:spLocks noGrp="1"/>
+          </p:cNvSpPr>
+          <p:nvPr>
+            <p:ph type="title"/>
+          </p:nvPr>
+        </p:nvSpPr>
+        <p:spPr/>
+        <p:txBody>
+          <a:bodyPr/>
+          <a:lstStyle/>
+          <a:p>
+            <a:r>
+              <a:rPr lang="en-IN" dirty="0"/>
+              <a:t>Problem Statement</a:t>
+            </a:r>
+          </a:p>
+        </p:txBody>
+      </p:sp>
+      <p:sp>
+        <p:nvSpPr>
+          <p:cNvPr id="3" name="Content Placeholder 2">
+            <a:extLst>
+              <a:ext uri="{FF2B5EF4-FFF2-40B4-BE49-F238E27FC236}">
+                <a16:creationId xmlns:a16="http://schemas.microsoft.com/office/drawing/2014/main" id="{F3BD3E8B-0709-388B-458A-AEF01E26D159}"/>
+              </a:ext>
+            </a:extLst>
+          </p:cNvPr>
+          <p:cNvSpPr>
+            <a:spLocks noGrp="1"/>
+          </p:cNvSpPr>
+          <p:nvPr>
+            <p:ph idx="1"/>
+          </p:nvPr>
+        </p:nvSpPr>
+        <p:spPr/>
+        <p:txBody>
+          <a:bodyPr>
+            <a:normAutofit/>
+          </a:bodyPr>
+          <a:lstStyle/>
+          <a:p>
+            <a:r>
+              <a:rPr lang="en-US" sz="2400" b="0" i="0" dirty="0">
+                <a:solidFill>
+                  <a:srgbClr val="374151"/>
+                </a:solidFill>
+                <a:effectLst/>
+              </a:rPr>
+              <a:t>Is to develop a machine learning-based system to predict the risk of heart disease in individuals based on their medical history and clinical data. This system should be easy to use and provide quick predictions to aid healthcare professionals in identifying at-risk patients and making informed decisions about their care.</a:t>
+            </a:r>
+            <a:endParaRPr lang="en-IN" sz="2400" dirty="0"/>
+          </a:p>
+        </p:txBody>
+      </p:sp>
+    </p:spTree>
+    <p:extLst>
+      <p:ext uri="{BB962C8B-B14F-4D97-AF65-F5344CB8AC3E}">
+        <p14:creationId xmlns:p14="http://schemas.microsoft.com/office/powerpoint/2010/main" val="2147070529"/>
+      </p:ext>
+    </p:extLst>
+  </p:cSld>
+  <p:clrMapOvr>
+    <a:masterClrMapping/>
+  </p:clrMapOvr>
+</p:sld>
+</file>
+
+<file path=ppt/slides/slide20.xml><?xml version="1.0" encoding="utf-8"?>
+<p:sld xmlns:a="http://schemas.openxmlformats.org/drawingml/2006/main" xmlns:r="http://schemas.openxmlformats.org/officeDocument/2006/relationships" xmlns:p="http://schemas.openxmlformats.org/presentationml/2006/main">
+  <p:cSld>
+    <p:spTree>
+      <p:nvGrpSpPr>
+        <p:cNvPr id="1" name=""/>
+        <p:cNvGrpSpPr/>
+        <p:nvPr/>
+      </p:nvGrpSpPr>
+      <p:grpSpPr>
+        <a:xfrm>
+          <a:off x="0" y="0"/>
+          <a:ext cx="0" cy="0"/>
+          <a:chOff x="0" y="0"/>
+          <a:chExt cx="0" cy="0"/>
+        </a:xfrm>
+      </p:grpSpPr>
+      <p:sp>
+        <p:nvSpPr>
+          <p:cNvPr id="2" name="Title 1">
+            <a:extLst>
+              <a:ext uri="{FF2B5EF4-FFF2-40B4-BE49-F238E27FC236}">
+                <a16:creationId xmlns:a16="http://schemas.microsoft.com/office/drawing/2014/main" id="{3E49118F-6B1D-9E8E-E078-D44831FA7B71}"/>
+              </a:ext>
+            </a:extLst>
+          </p:cNvPr>
+          <p:cNvSpPr>
+            <a:spLocks noGrp="1"/>
+          </p:cNvSpPr>
+          <p:nvPr>
+            <p:ph type="title"/>
+          </p:nvPr>
+        </p:nvSpPr>
+        <p:spPr/>
+        <p:txBody>
+          <a:bodyPr>
+            <a:normAutofit/>
+          </a:bodyPr>
+          <a:lstStyle/>
+          <a:p>
+            <a:r>
+              <a:rPr lang="en-IN" sz="3200" b="1" dirty="0"/>
+              <a:t>Videos module</a:t>
+            </a:r>
+          </a:p>
+        </p:txBody>
+      </p:sp>
+      <p:pic>
+        <p:nvPicPr>
+          <p:cNvPr id="4" name="Picture 3">
+            <a:extLst>
+              <a:ext uri="{FF2B5EF4-FFF2-40B4-BE49-F238E27FC236}">
+                <a16:creationId xmlns:a16="http://schemas.microsoft.com/office/drawing/2014/main" id="{7C90C0D0-019E-C5DE-7FAA-8213EA5244DB}"/>
+              </a:ext>
+            </a:extLst>
+          </p:cNvPr>
+          <p:cNvPicPr>
+            <a:picLocks noChangeAspect="1"/>
+          </p:cNvPicPr>
+          <p:nvPr/>
+        </p:nvPicPr>
+        <p:blipFill>
+          <a:blip r:embed="rId2"/>
+          <a:stretch>
+            <a:fillRect/>
+          </a:stretch>
+        </p:blipFill>
+        <p:spPr>
+          <a:xfrm>
+            <a:off x="1683154" y="2017952"/>
+            <a:ext cx="9236240" cy="2392887"/>
+          </a:xfrm>
+          <a:prstGeom prst="rect">
+            <a:avLst/>
+          </a:prstGeom>
+        </p:spPr>
+      </p:pic>
+    </p:spTree>
+    <p:extLst>
+      <p:ext uri="{BB962C8B-B14F-4D97-AF65-F5344CB8AC3E}">
+        <p14:creationId xmlns:p14="http://schemas.microsoft.com/office/powerpoint/2010/main" val="2050494326"/>
+      </p:ext>
+    </p:extLst>
+  </p:cSld>
+  <p:clrMapOvr>
+    <a:masterClrMapping/>
+  </p:clrMapOvr>
+</p:sld>
+</file>
+
+<file path=ppt/slides/slide21.xml><?xml version="1.0" encoding="utf-8"?>
+<p:sld xmlns:a="http://schemas.openxmlformats.org/drawingml/2006/main" xmlns:r="http://schemas.openxmlformats.org/officeDocument/2006/relationships" xmlns:p="http://schemas.openxmlformats.org/presentationml/2006/main">
+  <p:cSld>
+    <p:spTree>
+      <p:nvGrpSpPr>
+        <p:cNvPr id="1" name=""/>
+        <p:cNvGrpSpPr/>
+        <p:nvPr/>
+      </p:nvGrpSpPr>
+      <p:grpSpPr>
+        <a:xfrm>
+          <a:off x="0" y="0"/>
+          <a:ext cx="0" cy="0"/>
+          <a:chOff x="0" y="0"/>
+          <a:chExt cx="0" cy="0"/>
+        </a:xfrm>
+      </p:grpSpPr>
+      <p:sp>
+        <p:nvSpPr>
+          <p:cNvPr id="2" name="Title 1">
+            <a:extLst>
+              <a:ext uri="{FF2B5EF4-FFF2-40B4-BE49-F238E27FC236}">
+                <a16:creationId xmlns:a16="http://schemas.microsoft.com/office/drawing/2014/main" id="{B0274881-2DA0-3011-D603-3D36F748C67E}"/>
+              </a:ext>
+            </a:extLst>
+          </p:cNvPr>
+          <p:cNvSpPr>
+            <a:spLocks noGrp="1"/>
+          </p:cNvSpPr>
+          <p:nvPr>
+            <p:ph type="title"/>
+          </p:nvPr>
+        </p:nvSpPr>
+        <p:spPr/>
+        <p:txBody>
+          <a:bodyPr>
+            <a:normAutofit/>
+          </a:bodyPr>
+          <a:lstStyle/>
+          <a:p>
+            <a:r>
+              <a:rPr lang="en-IN" sz="3200" b="1" dirty="0"/>
+              <a:t>Prediction module process</a:t>
+            </a:r>
+          </a:p>
+        </p:txBody>
+      </p:sp>
+      <p:pic>
+        <p:nvPicPr>
+          <p:cNvPr id="4" name="Picture 3">
+            <a:extLst>
+              <a:ext uri="{FF2B5EF4-FFF2-40B4-BE49-F238E27FC236}">
+                <a16:creationId xmlns:a16="http://schemas.microsoft.com/office/drawing/2014/main" id="{6F6882CF-9428-E0A4-65FE-E58AE526D164}"/>
+              </a:ext>
+            </a:extLst>
+          </p:cNvPr>
+          <p:cNvPicPr>
+            <a:picLocks noChangeAspect="1"/>
+          </p:cNvPicPr>
+          <p:nvPr/>
+        </p:nvPicPr>
+        <p:blipFill>
+          <a:blip r:embed="rId2"/>
+          <a:stretch>
+            <a:fillRect/>
+          </a:stretch>
+        </p:blipFill>
+        <p:spPr>
+          <a:xfrm>
+            <a:off x="1496931" y="1856792"/>
+            <a:ext cx="9198137" cy="3116424"/>
+          </a:xfrm>
+          <a:prstGeom prst="rect">
+            <a:avLst/>
+          </a:prstGeom>
+        </p:spPr>
+      </p:pic>
+    </p:spTree>
+    <p:extLst>
+      <p:ext uri="{BB962C8B-B14F-4D97-AF65-F5344CB8AC3E}">
+        <p14:creationId xmlns:p14="http://schemas.microsoft.com/office/powerpoint/2010/main" val="1874683635"/>
+      </p:ext>
+    </p:extLst>
+  </p:cSld>
+  <p:clrMapOvr>
+    <a:masterClrMapping/>
+  </p:clrMapOvr>
+</p:sld>
+</file>
+
+<file path=ppt/slides/slide22.xml><?xml version="1.0" encoding="utf-8"?>
 <p:sld xmlns:a="http://schemas.openxmlformats.org/drawingml/2006/main" xmlns:r="http://schemas.openxmlformats.org/officeDocument/2006/relationships" xmlns:p="http://schemas.openxmlformats.org/presentationml/2006/main">
   <p:cSld>
     <p:spTree>
@@ -6133,101 +6533,7 @@
 </p:sld>
 </file>
 
-<file path=ppt/slides/slide2.xml><?xml version="1.0" encoding="utf-8"?>
-<p:sld xmlns:a="http://schemas.openxmlformats.org/drawingml/2006/main" xmlns:r="http://schemas.openxmlformats.org/officeDocument/2006/relationships" xmlns:p="http://schemas.openxmlformats.org/presentationml/2006/main">
-  <p:cSld>
-    <p:spTree>
-      <p:nvGrpSpPr>
-        <p:cNvPr id="1" name=""/>
-        <p:cNvGrpSpPr/>
-        <p:nvPr/>
-      </p:nvGrpSpPr>
-      <p:grpSpPr>
-        <a:xfrm>
-          <a:off x="0" y="0"/>
-          <a:ext cx="0" cy="0"/>
-          <a:chOff x="0" y="0"/>
-          <a:chExt cx="0" cy="0"/>
-        </a:xfrm>
-      </p:grpSpPr>
-      <p:sp>
-        <p:nvSpPr>
-          <p:cNvPr id="2" name="Title 1">
-            <a:extLst>
-              <a:ext uri="{FF2B5EF4-FFF2-40B4-BE49-F238E27FC236}">
-                <a16:creationId xmlns:a16="http://schemas.microsoft.com/office/drawing/2014/main" id="{F9FDDEC6-EFF5-7794-A8B1-E128B433790E}"/>
-              </a:ext>
-            </a:extLst>
-          </p:cNvPr>
-          <p:cNvSpPr>
-            <a:spLocks noGrp="1"/>
-          </p:cNvSpPr>
-          <p:nvPr>
-            <p:ph type="title"/>
-          </p:nvPr>
-        </p:nvSpPr>
-        <p:spPr/>
-        <p:txBody>
-          <a:bodyPr/>
-          <a:lstStyle/>
-          <a:p>
-            <a:r>
-              <a:rPr lang="en-IN" dirty="0"/>
-              <a:t>Problem Statement</a:t>
-            </a:r>
-          </a:p>
-        </p:txBody>
-      </p:sp>
-      <p:sp>
-        <p:nvSpPr>
-          <p:cNvPr id="3" name="Content Placeholder 2">
-            <a:extLst>
-              <a:ext uri="{FF2B5EF4-FFF2-40B4-BE49-F238E27FC236}">
-                <a16:creationId xmlns:a16="http://schemas.microsoft.com/office/drawing/2014/main" id="{F3BD3E8B-0709-388B-458A-AEF01E26D159}"/>
-              </a:ext>
-            </a:extLst>
-          </p:cNvPr>
-          <p:cNvSpPr>
-            <a:spLocks noGrp="1"/>
-          </p:cNvSpPr>
-          <p:nvPr>
-            <p:ph idx="1"/>
-          </p:nvPr>
-        </p:nvSpPr>
-        <p:spPr/>
-        <p:txBody>
-          <a:bodyPr>
-            <a:normAutofit/>
-          </a:bodyPr>
-          <a:lstStyle/>
-          <a:p>
-            <a:r>
-              <a:rPr lang="en-US" sz="2400" b="0" i="0" dirty="0">
-                <a:solidFill>
-                  <a:srgbClr val="374151"/>
-                </a:solidFill>
-                <a:effectLst/>
-              </a:rPr>
-              <a:t>Is to develop a machine learning-based system to predict the risk of heart disease in individuals based on their medical history and clinical data. This system should be easy to use and provide quick predictions to aid healthcare professionals in identifying at-risk patients and making informed decisions about their care.</a:t>
-            </a:r>
-            <a:endParaRPr lang="en-IN" sz="2400" dirty="0"/>
-          </a:p>
-        </p:txBody>
-      </p:sp>
-    </p:spTree>
-    <p:extLst>
-      <p:ext uri="{BB962C8B-B14F-4D97-AF65-F5344CB8AC3E}">
-        <p14:creationId xmlns:p14="http://schemas.microsoft.com/office/powerpoint/2010/main" val="2147070529"/>
-      </p:ext>
-    </p:extLst>
-  </p:cSld>
-  <p:clrMapOvr>
-    <a:masterClrMapping/>
-  </p:clrMapOvr>
-</p:sld>
-</file>
-
-<file path=ppt/slides/slide20.xml><?xml version="1.0" encoding="utf-8"?>
+<file path=ppt/slides/slide23.xml><?xml version="1.0" encoding="utf-8"?>
 <p:sld xmlns:a="http://schemas.openxmlformats.org/drawingml/2006/main" xmlns:r="http://schemas.openxmlformats.org/officeDocument/2006/relationships" xmlns:p="http://schemas.openxmlformats.org/presentationml/2006/main">
   <p:cSld>
     <p:spTree>
@@ -6337,7 +6643,7 @@
 </p:sld>
 </file>
 
-<file path=ppt/slides/slide21.xml><?xml version="1.0" encoding="utf-8"?>
+<file path=ppt/slides/slide24.xml><?xml version="1.0" encoding="utf-8"?>
 <p:sld xmlns:a="http://schemas.openxmlformats.org/drawingml/2006/main" xmlns:r="http://schemas.openxmlformats.org/officeDocument/2006/relationships" xmlns:p="http://schemas.openxmlformats.org/presentationml/2006/main">
   <p:cSld>
     <p:spTree>
@@ -6616,7 +6922,7 @@
 </p:sld>
 </file>
 
-<file path=ppt/slides/slide22.xml><?xml version="1.0" encoding="utf-8"?>
+<file path=ppt/slides/slide25.xml><?xml version="1.0" encoding="utf-8"?>
 <p:sld xmlns:a="http://schemas.openxmlformats.org/drawingml/2006/main" xmlns:r="http://schemas.openxmlformats.org/officeDocument/2006/relationships" xmlns:p="http://schemas.openxmlformats.org/presentationml/2006/main">
   <p:cSld>
     <p:spTree>
@@ -6735,7 +7041,7 @@
 </p:sld>
 </file>
 
-<file path=ppt/slides/slide23.xml><?xml version="1.0" encoding="utf-8"?>
+<file path=ppt/slides/slide26.xml><?xml version="1.0" encoding="utf-8"?>
 <p:sld xmlns:a="http://schemas.openxmlformats.org/drawingml/2006/main" xmlns:r="http://schemas.openxmlformats.org/officeDocument/2006/relationships" xmlns:p="http://schemas.openxmlformats.org/presentationml/2006/main">
   <p:cSld>
     <p:spTree>
@@ -6823,7 +7129,7 @@
 </p:sld>
 </file>
 
-<file path=ppt/slides/slide24.xml><?xml version="1.0" encoding="utf-8"?>
+<file path=ppt/slides/slide27.xml><?xml version="1.0" encoding="utf-8"?>
 <p:sld xmlns:a="http://schemas.openxmlformats.org/drawingml/2006/main" xmlns:r="http://schemas.openxmlformats.org/officeDocument/2006/relationships" xmlns:p="http://schemas.openxmlformats.org/presentationml/2006/main">
   <p:cSld>
     <p:spTree>
@@ -6948,7 +7254,7 @@
 </p:sld>
 </file>
 
-<file path=ppt/slides/slide25.xml><?xml version="1.0" encoding="utf-8"?>
+<file path=ppt/slides/slide28.xml><?xml version="1.0" encoding="utf-8"?>
 <p:sld xmlns:a="http://schemas.openxmlformats.org/drawingml/2006/main" xmlns:r="http://schemas.openxmlformats.org/officeDocument/2006/relationships" xmlns:p="http://schemas.openxmlformats.org/presentationml/2006/main">
   <p:cSld>
     <p:spTree>
@@ -6970,6 +7276,100 @@
           <p:cNvPr id="2" name="Title 1">
             <a:extLst>
               <a:ext uri="{FF2B5EF4-FFF2-40B4-BE49-F238E27FC236}">
+                <a16:creationId xmlns:a16="http://schemas.microsoft.com/office/drawing/2014/main" id="{00C2EA7C-8B85-9FB7-B2DE-19178A422C5C}"/>
+              </a:ext>
+            </a:extLst>
+          </p:cNvPr>
+          <p:cNvSpPr>
+            <a:spLocks noGrp="1"/>
+          </p:cNvSpPr>
+          <p:nvPr>
+            <p:ph type="title"/>
+          </p:nvPr>
+        </p:nvSpPr>
+        <p:spPr>
+          <a:xfrm>
+            <a:off x="838200" y="178514"/>
+            <a:ext cx="10515600" cy="651912"/>
+          </a:xfrm>
+        </p:spPr>
+        <p:txBody>
+          <a:bodyPr>
+            <a:normAutofit fontScale="90000"/>
+          </a:bodyPr>
+          <a:lstStyle/>
+          <a:p>
+            <a:r>
+              <a:rPr lang="en-IN" b="1" dirty="0"/>
+              <a:t>RESEARCH PAPER STATUS</a:t>
+            </a:r>
+          </a:p>
+        </p:txBody>
+      </p:sp>
+      <p:pic>
+        <p:nvPicPr>
+          <p:cNvPr id="5" name="Content Placeholder 4">
+            <a:extLst>
+              <a:ext uri="{FF2B5EF4-FFF2-40B4-BE49-F238E27FC236}">
+                <a16:creationId xmlns:a16="http://schemas.microsoft.com/office/drawing/2014/main" id="{7D0A7241-3264-CB24-D00B-C86D1424F15D}"/>
+              </a:ext>
+            </a:extLst>
+          </p:cNvPr>
+          <p:cNvPicPr>
+            <a:picLocks noGrp="1" noChangeAspect="1"/>
+          </p:cNvPicPr>
+          <p:nvPr>
+            <p:ph idx="1"/>
+          </p:nvPr>
+        </p:nvPicPr>
+        <p:blipFill>
+          <a:blip r:embed="rId2"/>
+          <a:stretch>
+            <a:fillRect/>
+          </a:stretch>
+        </p:blipFill>
+        <p:spPr>
+          <a:xfrm>
+            <a:off x="838200" y="830426"/>
+            <a:ext cx="10619791" cy="5915607"/>
+          </a:xfrm>
+        </p:spPr>
+      </p:pic>
+    </p:spTree>
+    <p:extLst>
+      <p:ext uri="{BB962C8B-B14F-4D97-AF65-F5344CB8AC3E}">
+        <p14:creationId xmlns:p14="http://schemas.microsoft.com/office/powerpoint/2010/main" val="2021175809"/>
+      </p:ext>
+    </p:extLst>
+  </p:cSld>
+  <p:clrMapOvr>
+    <a:masterClrMapping/>
+  </p:clrMapOvr>
+</p:sld>
+</file>
+
+<file path=ppt/slides/slide29.xml><?xml version="1.0" encoding="utf-8"?>
+<p:sld xmlns:a="http://schemas.openxmlformats.org/drawingml/2006/main" xmlns:r="http://schemas.openxmlformats.org/officeDocument/2006/relationships" xmlns:p="http://schemas.openxmlformats.org/presentationml/2006/main">
+  <p:cSld>
+    <p:spTree>
+      <p:nvGrpSpPr>
+        <p:cNvPr id="1" name=""/>
+        <p:cNvGrpSpPr/>
+        <p:nvPr/>
+      </p:nvGrpSpPr>
+      <p:grpSpPr>
+        <a:xfrm>
+          <a:off x="0" y="0"/>
+          <a:ext cx="0" cy="0"/>
+          <a:chOff x="0" y="0"/>
+          <a:chExt cx="0" cy="0"/>
+        </a:xfrm>
+      </p:grpSpPr>
+      <p:sp>
+        <p:nvSpPr>
+          <p:cNvPr id="2" name="Title 1">
+            <a:extLst>
+              <a:ext uri="{FF2B5EF4-FFF2-40B4-BE49-F238E27FC236}">
                 <a16:creationId xmlns:a16="http://schemas.microsoft.com/office/drawing/2014/main" id="{5399170A-0FBE-5C45-B43F-5165573FA890}"/>
               </a:ext>
             </a:extLst>
@@ -6981,7 +7381,12 @@
             <p:ph type="title"/>
           </p:nvPr>
         </p:nvSpPr>
-        <p:spPr/>
+        <p:spPr>
+          <a:xfrm>
+            <a:off x="838200" y="0"/>
+            <a:ext cx="10515600" cy="1325563"/>
+          </a:xfrm>
+        </p:spPr>
         <p:txBody>
           <a:bodyPr/>
           <a:lstStyle/>
@@ -7025,8 +7430,24 @@
               <a:buNone/>
             </a:pPr>
             <a:r>
-              <a:rPr lang="en-IN" sz="1000" dirty="0"/>
-              <a:t> [1] Soni J, Ansari U, Sharma D &amp; Soni S (2011). Predictive data mining for medical diagnosis: an overview of heart disease prediction. International Journal of Computer Applications, 17(8), 43-8 </a:t>
+              <a:rPr lang="en-IN" sz="1400" dirty="0"/>
+              <a:t>[1] A. S. D. M. ,. S. </a:t>
+            </a:r>
+            <a:r>
+              <a:rPr lang="en-IN" sz="1400" dirty="0" err="1"/>
+              <a:t>Mandakini</a:t>
+            </a:r>
+            <a:r>
+              <a:rPr lang="en-IN" sz="1400" dirty="0"/>
+              <a:t> </a:t>
+            </a:r>
+            <a:r>
+              <a:rPr lang="en-IN" sz="1400" dirty="0" err="1"/>
+              <a:t>Priyadarshani</a:t>
+            </a:r>
+            <a:r>
+              <a:rPr lang="en-IN" sz="1400" dirty="0"/>
+              <a:t> Behera, "A Hybrid Machine Learning algorithm for Heart and Liver Disease Prediction Using Modified Particle Swarm Optimization with," Procedia Computer Science, 2022.</a:t>
             </a:r>
           </a:p>
           <a:p>
@@ -7034,32 +7455,16 @@
               <a:buNone/>
             </a:pPr>
             <a:r>
-              <a:rPr lang="en-IN" sz="1000" dirty="0"/>
-              <a:t>[2] </a:t>
-            </a:r>
-            <a:r>
-              <a:rPr lang="en-IN" sz="1000" dirty="0" err="1"/>
-              <a:t>Dangare</a:t>
-            </a:r>
-            <a:r>
-              <a:rPr lang="en-IN" sz="1000" dirty="0"/>
-              <a:t> C S &amp; </a:t>
-            </a:r>
-            <a:r>
-              <a:rPr lang="en-IN" sz="1000" dirty="0" err="1"/>
-              <a:t>Apte</a:t>
-            </a:r>
-            <a:r>
-              <a:rPr lang="en-IN" sz="1000" dirty="0"/>
-              <a:t> S </a:t>
-            </a:r>
-            <a:r>
-              <a:rPr lang="en-IN" sz="1000" dirty="0" err="1"/>
-              <a:t>S</a:t>
-            </a:r>
-            <a:r>
-              <a:rPr lang="en-IN" sz="1000" dirty="0"/>
-              <a:t> (2012). Improved study of heart disease prediction system using data mining classification techniques. International Journal of Computer Applications, 47(10), 44-8.</a:t>
+              <a:rPr lang="en-IN" sz="1400" dirty="0"/>
+              <a:t>[2] M. </a:t>
+            </a:r>
+            <a:r>
+              <a:rPr lang="en-IN" sz="1400" dirty="0" err="1"/>
+              <a:t>SeYongJang</a:t>
+            </a:r>
+            <a:r>
+              <a:rPr lang="en-IN" sz="1400" dirty="0"/>
+              <a:t>, "Machine Learning Model Prediction of Mortality in Patients With and Without Heart Failure," JACC: Advances, vol. 2, 2023. </a:t>
             </a:r>
           </a:p>
           <a:p>
@@ -7067,8 +7472,16 @@
               <a:buNone/>
             </a:pPr>
             <a:r>
-              <a:rPr lang="en-IN" sz="1000" dirty="0"/>
-              <a:t> [3] Ordonez C (2006). Association rule discovery with the train and test approach for heart disease prediction. IEEE Transactions on Information Technology in Biomedicine, 10(2), 334-43. </a:t>
+              <a:rPr lang="en-IN" sz="1400" dirty="0"/>
+              <a:t>[3] A. L. P. B. P. V. R. K. Alireza </a:t>
+            </a:r>
+            <a:r>
+              <a:rPr lang="en-IN" sz="1400" dirty="0" err="1"/>
+              <a:t>Ghasemieh</a:t>
+            </a:r>
+            <a:r>
+              <a:rPr lang="en-IN" sz="1400" dirty="0"/>
+              <a:t>, "A Novel Machine Learning Model with Stacking Ensemble Learner for Predicting Emergency Readmission of Heart-Disease Patients," Decision Analytics Journal, 2023. </a:t>
             </a:r>
           </a:p>
           <a:p>
@@ -7076,8 +7489,8 @@
               <a:buNone/>
             </a:pPr>
             <a:r>
-              <a:rPr lang="en-IN" sz="1000" dirty="0"/>
-              <a:t>[4] Shinde R, Arjun S, Patil P &amp; Waghmare J (2015). An intelligent heart disease prediction system using k-means clustering and Naïve Bayes algorithm. International Journal of Computer Science and Information Technologies, 6(1), 637-9.</a:t>
+              <a:rPr lang="en-US" sz="1400" dirty="0"/>
+              <a:t>[4] 1. ,. Y. R. a. ,. H. Y. a. ,. Y. D. b. ,. Y. L. a. ,. Y. Y. a. ,. A. M. a. ,. T. Y. d. ,. Y. W. c. ,. F. X. c. ,. Q. H. e. Y. Z. a. Yue Huang a, "Using a machine learning-based risk prediction model to analyze the coronary artery calcification score and predict coronary heart disease and risk assessment," Computers in Biology and Medicine, 2022. </a:t>
             </a:r>
           </a:p>
           <a:p>
@@ -7085,16 +7498,16 @@
               <a:buNone/>
             </a:pPr>
             <a:r>
-              <a:rPr lang="en-IN" sz="1000" dirty="0"/>
-              <a:t> [5] Bashir S, Qamar U &amp; Javed M Y (2014, November). An ensemble-based decision support framework for intelligent heart disease diagnosis. In International Conference on Information Society (</a:t>
-            </a:r>
-            <a:r>
-              <a:rPr lang="en-IN" sz="1000" dirty="0" err="1"/>
-              <a:t>i</a:t>
-            </a:r>
-            <a:r>
-              <a:rPr lang="en-IN" sz="1000" dirty="0"/>
-              <a:t>-Society 2014) (pp. 259-64). IEEE. ICCRDA 2020 IOP Conf. Series: Materials Science and Engineering 1022 (2021) 012072 IOP Publishing doi:10.1088/1757-899X/1022/1/012072 9 </a:t>
+              <a:rPr lang="en-US" sz="1400" dirty="0"/>
+              <a:t>[5] C.-k. T. b. C.-J. W. b. S.-H. C. b. Y.-S. H. b. L.-J. K. b. Chun-Ling Lin a, "Title-Development of smart cardiovascular measurement system using feature selection and machine learning models for prediction of sleep deprivation, cold hands and feet, and </a:t>
+            </a:r>
+            <a:r>
+              <a:rPr lang="en-US" sz="1400" dirty="0" err="1"/>
+              <a:t>Shanghuo</a:t>
+            </a:r>
+            <a:r>
+              <a:rPr lang="en-US" sz="1400" dirty="0"/>
+              <a:t> syndrome," International Measurement Confederation , 2023. </a:t>
             </a:r>
           </a:p>
           <a:p>
@@ -7102,8 +7515,8 @@
               <a:buNone/>
             </a:pPr>
             <a:r>
-              <a:rPr lang="en-IN" sz="1000" dirty="0"/>
-              <a:t>[6] Jee S H, Jang Y, Oh D J, Oh B H, Lee S H, Park S W &amp; Yun Y D (2014). A coronary heart disease prediction model: the Korean Heart Study. BMJ open, 4(5), e005025.</a:t>
+              <a:rPr lang="en-US" sz="1400" dirty="0"/>
+              <a:t>[6] V. S. A.-D. b. ,. N. M. c. ,. A. A. H. d. ,. I. M. a. ,. S. A. e. ,. K. F. A.-t. f. ,. K. A. g. ,. F. M. B. g. ,. M. A. M. Md. Mamun Ali a, "Machine Learning Approach for Risk Factors Analysis and Survival Prediction of Heart Failure Patients," Healthcare Analytics, 2023. </a:t>
             </a:r>
           </a:p>
           <a:p>
@@ -7111,40 +7524,16 @@
               <a:buNone/>
             </a:pPr>
             <a:r>
-              <a:rPr lang="en-IN" sz="1000" dirty="0"/>
-              <a:t>[7] </a:t>
-            </a:r>
-            <a:r>
-              <a:rPr lang="en-IN" sz="1000" dirty="0" err="1"/>
-              <a:t>Ganna</a:t>
-            </a:r>
-            <a:r>
-              <a:rPr lang="en-IN" sz="1000" dirty="0"/>
-              <a:t> A, Magnusson P K, Pedersen N L, de Faire U, Reilly M, </a:t>
-            </a:r>
-            <a:r>
-              <a:rPr lang="en-IN" sz="1000" dirty="0" err="1"/>
-              <a:t>Ärnlöv</a:t>
-            </a:r>
-            <a:r>
-              <a:rPr lang="en-IN" sz="1000" dirty="0"/>
-              <a:t> J &amp; </a:t>
-            </a:r>
-            <a:r>
-              <a:rPr lang="en-IN" sz="1000" dirty="0" err="1"/>
-              <a:t>Ingelsson</a:t>
-            </a:r>
-            <a:r>
-              <a:rPr lang="en-IN" sz="1000" dirty="0"/>
-              <a:t> E (2013). </a:t>
-            </a:r>
-            <a:r>
-              <a:rPr lang="en-IN" sz="1000" dirty="0" err="1"/>
-              <a:t>Multilocus</a:t>
-            </a:r>
-            <a:r>
-              <a:rPr lang="en-IN" sz="1000" dirty="0"/>
-              <a:t> genetic risk scores for coronary heart disease prediction. Arteriosclerosis, thrombosis, and vascular biology, 33(9), 2267-72.</a:t>
+              <a:rPr lang="en-US" sz="1400" dirty="0"/>
+              <a:t>[7] L. V. R. G. </a:t>
+            </a:r>
+            <a:r>
+              <a:rPr lang="en-US" sz="1400" dirty="0" err="1"/>
+              <a:t>Stojanov</a:t>
+            </a:r>
+            <a:r>
+              <a:rPr lang="en-US" sz="1400" dirty="0"/>
+              <a:t>, ": Machine Learning-Based Predictive Models for Heart Disease Diagnosis," King Saud University, 2023. </a:t>
             </a:r>
           </a:p>
           <a:p>
@@ -7152,32 +7541,16 @@
               <a:buNone/>
             </a:pPr>
             <a:r>
-              <a:rPr lang="en-IN" sz="1000" dirty="0"/>
-              <a:t> [8] Jabbar M A, </a:t>
-            </a:r>
-            <a:r>
-              <a:rPr lang="en-IN" sz="1000" dirty="0" err="1"/>
-              <a:t>Deekshatulu</a:t>
-            </a:r>
-            <a:r>
-              <a:rPr lang="en-IN" sz="1000" dirty="0"/>
-              <a:t> B L &amp; Chandra P (2013, March). Heart disease prediction using lazy associative classification. In 2013 International </a:t>
-            </a:r>
-            <a:r>
-              <a:rPr lang="en-IN" sz="1000" dirty="0" err="1"/>
-              <a:t>Mutli</a:t>
-            </a:r>
-            <a:r>
-              <a:rPr lang="en-IN" sz="1000" dirty="0"/>
-              <a:t>-Conference on Automation, </a:t>
-            </a:r>
-            <a:r>
-              <a:rPr lang="en-IN" sz="1000" dirty="0" err="1"/>
-              <a:t>Computing,Communication</a:t>
-            </a:r>
-            <a:r>
-              <a:rPr lang="en-IN" sz="1000" dirty="0"/>
-              <a:t>, Control and Compressed Sensing (iMac4s) (pp. 40- 6). IEEE. </a:t>
+              <a:rPr lang="en-US" sz="1400" dirty="0"/>
+              <a:t>[8] S. M. P. K. P. S. M. </a:t>
+            </a:r>
+            <a:r>
+              <a:rPr lang="en-US" sz="1400" dirty="0" err="1"/>
+              <a:t>Subasish</a:t>
+            </a:r>
+            <a:r>
+              <a:rPr lang="en-US" sz="1400" dirty="0"/>
+              <a:t> Mohapatra, "Heart Diseases Prediction based on Stacking Classifiers Model," International Conference on Machine Learning and Data Engineering, 2023. </a:t>
             </a:r>
           </a:p>
           <a:p>
@@ -7185,40 +7558,8 @@
               <a:buNone/>
             </a:pPr>
             <a:r>
-              <a:rPr lang="en-IN" sz="1000" dirty="0"/>
-              <a:t>[9] </a:t>
-            </a:r>
-            <a:r>
-              <a:rPr lang="en-IN" sz="1000" dirty="0" err="1"/>
-              <a:t>Dangare</a:t>
-            </a:r>
-            <a:r>
-              <a:rPr lang="en-IN" sz="1000" dirty="0"/>
-              <a:t> </a:t>
-            </a:r>
-            <a:r>
-              <a:rPr lang="en-IN" sz="1000" dirty="0" err="1"/>
-              <a:t>Chaitrali</a:t>
-            </a:r>
-            <a:r>
-              <a:rPr lang="en-IN" sz="1000" dirty="0"/>
-              <a:t> S and </a:t>
-            </a:r>
-            <a:r>
-              <a:rPr lang="en-IN" sz="1000" dirty="0" err="1"/>
-              <a:t>Sulabha</a:t>
-            </a:r>
-            <a:r>
-              <a:rPr lang="en-IN" sz="1000" dirty="0"/>
-              <a:t> S </a:t>
-            </a:r>
-            <a:r>
-              <a:rPr lang="en-IN" sz="1000" dirty="0" err="1"/>
-              <a:t>Apte</a:t>
-            </a:r>
-            <a:r>
-              <a:rPr lang="en-IN" sz="1000" dirty="0"/>
-              <a:t>. "Improved study of heart disease prediction system using data mining classification techniques." International Journal of Computer Applications 47.</a:t>
+              <a:rPr lang="en-US" sz="1400" dirty="0"/>
+              <a:t>[9] A. C. A. R. W. E. E. Qi Li, "Automating Cardiovascular Disease Prediction Using Machine Learning and EMR Data," International Journal of Medical Informatics, 2022. </a:t>
             </a:r>
           </a:p>
           <a:p>
@@ -7226,143 +7567,26 @@
               <a:buNone/>
             </a:pPr>
             <a:r>
-              <a:rPr lang="en-IN" sz="1000" dirty="0"/>
-              <a:t>10 (2012): 44-8. [10] Soni Jyoti. "Predictive data mining for medical diagnosis: An overview of heart disease prediction." International Journal of Computer Applications 17.8 (2011): 43-8. </a:t>
-            </a:r>
-          </a:p>
-          <a:p>
-            <a:pPr marL="0" indent="0">
-              <a:buNone/>
-            </a:pPr>
-            <a:r>
-              <a:rPr lang="en-IN" sz="1000" dirty="0"/>
-              <a:t>[11] Chen A H, Huang S Y, Hong P S, Cheng C H &amp; Lin E J (2011, September). HDPS: Heart disease prediction system. In 2011 Computing in Cardiology (pp. 557-60). IEEE. </a:t>
-            </a:r>
-          </a:p>
-          <a:p>
-            <a:pPr marL="0" indent="0">
-              <a:buNone/>
-            </a:pPr>
-            <a:r>
-              <a:rPr lang="en-IN" sz="1000" dirty="0"/>
-              <a:t>[12] Parthiban, Latha and R Subramanian. "Intelligent heart disease prediction system using CANFIS and genetic algorithm." International Journal of Biological, Biomedical and Medical Sciences 3.3 (2008). </a:t>
-            </a:r>
-          </a:p>
-          <a:p>
-            <a:pPr marL="0" indent="0">
-              <a:buNone/>
-            </a:pPr>
-            <a:r>
-              <a:rPr lang="en-IN" sz="1000" dirty="0"/>
-              <a:t>[13] Wolgast G, </a:t>
-            </a:r>
-            <a:r>
-              <a:rPr lang="en-IN" sz="1000" dirty="0" err="1"/>
-              <a:t>Ehrenborg</a:t>
-            </a:r>
-            <a:r>
-              <a:rPr lang="en-IN" sz="1000" dirty="0"/>
-              <a:t> C, </a:t>
-            </a:r>
-            <a:r>
-              <a:rPr lang="en-IN" sz="1000" dirty="0" err="1"/>
-              <a:t>Israelsson</a:t>
-            </a:r>
-            <a:r>
-              <a:rPr lang="en-IN" sz="1000" dirty="0"/>
-              <a:t> A, </a:t>
-            </a:r>
-            <a:r>
-              <a:rPr lang="en-IN" sz="1000" dirty="0" err="1"/>
-              <a:t>Helander</a:t>
-            </a:r>
-            <a:r>
-              <a:rPr lang="en-IN" sz="1000" dirty="0"/>
-              <a:t> J, Johansson E &amp; </a:t>
-            </a:r>
-            <a:r>
-              <a:rPr lang="en-IN" sz="1000" dirty="0" err="1"/>
-              <a:t>Manefjord</a:t>
-            </a:r>
-            <a:r>
-              <a:rPr lang="en-IN" sz="1000" dirty="0"/>
-              <a:t> H (2016). Wireless body area network for heart attack detection [Education Corner]. IEEE antennas and propagation magazine, 58(5), 84-92.</a:t>
-            </a:r>
-          </a:p>
-          <a:p>
-            <a:pPr marL="0" indent="0">
-              <a:buNone/>
-            </a:pPr>
-            <a:r>
-              <a:rPr lang="en-IN" sz="1000" dirty="0"/>
-              <a:t>[14] Patel S &amp; Chauhan Y (2014). Heart attack detection and medical attention using motion sensing device -</a:t>
-            </a:r>
-            <a:r>
-              <a:rPr lang="en-IN" sz="1000" dirty="0" err="1"/>
-              <a:t>kinect</a:t>
-            </a:r>
-            <a:r>
-              <a:rPr lang="en-IN" sz="1000" dirty="0"/>
-              <a:t>. International Journal of Scientific and Research Publications, 4(1), 1-4.</a:t>
-            </a:r>
-          </a:p>
-          <a:p>
-            <a:pPr marL="0" indent="0">
-              <a:buNone/>
-            </a:pPr>
-            <a:r>
-              <a:rPr lang="en-IN" sz="1000" dirty="0"/>
-              <a:t> [15] Zhang Y, </a:t>
-            </a:r>
-            <a:r>
-              <a:rPr lang="en-IN" sz="1000" dirty="0" err="1"/>
-              <a:t>Fogoros</a:t>
-            </a:r>
-            <a:r>
-              <a:rPr lang="en-IN" sz="1000" dirty="0"/>
-              <a:t> R, Thompson J, </a:t>
-            </a:r>
-            <a:r>
-              <a:rPr lang="en-IN" sz="1000" dirty="0" err="1"/>
-              <a:t>Kenknight</a:t>
-            </a:r>
-            <a:r>
-              <a:rPr lang="en-IN" sz="1000" dirty="0"/>
-              <a:t> B H, Pederson M J, </a:t>
-            </a:r>
-            <a:r>
-              <a:rPr lang="en-IN" sz="1000" dirty="0" err="1"/>
-              <a:t>Patangay</a:t>
-            </a:r>
-            <a:r>
-              <a:rPr lang="en-IN" sz="1000" dirty="0"/>
-              <a:t> A &amp; Mazar S T (2011). U.S. Patent No. 8,014,863. Washington, DC: U.S. Patent and Trademark Office. </a:t>
-            </a:r>
-          </a:p>
-          <a:p>
-            <a:pPr marL="0" indent="0">
-              <a:buNone/>
-            </a:pPr>
-            <a:r>
-              <a:rPr lang="en-IN" sz="1000" dirty="0"/>
-              <a:t>[16] Raihan M, Mondal S, More A, </a:t>
-            </a:r>
-            <a:r>
-              <a:rPr lang="en-IN" sz="1000" dirty="0" err="1"/>
-              <a:t>Sagor</a:t>
-            </a:r>
-            <a:r>
-              <a:rPr lang="en-IN" sz="1000" dirty="0"/>
-              <a:t> M O F, </a:t>
-            </a:r>
-            <a:r>
-              <a:rPr lang="en-IN" sz="1000" dirty="0" err="1"/>
-              <a:t>Sikder</a:t>
-            </a:r>
-            <a:r>
-              <a:rPr lang="en-IN" sz="1000" dirty="0"/>
-              <a:t> G, Majumder M A &amp; Ghosh K (2016, December). Smartphone based ischemic heart disease (heart attack) risk prediction using clinical data and data mining approaches, a prototype design. In 2016 19th International Conference on Computer and Information Technology (ICCIT) (pp. 299-303). IEEE. </a:t>
-            </a:r>
+              <a:rPr lang="en-US" sz="1400" dirty="0"/>
+              <a:t>[10] R. R. N. Y. N. B. S. K. D. </a:t>
+            </a:r>
+            <a:r>
+              <a:rPr lang="en-US" sz="1400" dirty="0" err="1"/>
+              <a:t>Khandaker</a:t>
+            </a:r>
+            <a:r>
+              <a:rPr lang="en-US" sz="1400" dirty="0"/>
+              <a:t> Mohammad </a:t>
+            </a:r>
+            <a:r>
+              <a:rPr lang="en-US" sz="1400" dirty="0" err="1"/>
+              <a:t>Mohi</a:t>
+            </a:r>
+            <a:r>
+              <a:rPr lang="en-US" sz="1400" dirty="0"/>
+              <a:t> Uddin, "Machine Learning-Based Approach to the Diagnosis of Cardiovascular Disease Using a Combined Dataset," Intelligence-Based Medicine, 2023. </a:t>
+            </a:r>
+            <a:endParaRPr lang="en-IN" sz="1400" dirty="0"/>
           </a:p>
         </p:txBody>
       </p:sp>
